--- a/Reportes/Originales/k fold Cross Validation.pptx
+++ b/Reportes/Originales/k fold Cross Validation.pptx
@@ -6,6 +6,7 @@
   </p:sldMasterIdLst>
   <p:sldIdLst>
     <p:sldId id="256" r:id="rId2"/>
+    <p:sldId id="257" r:id="rId3"/>
   </p:sldIdLst>
   <p:sldSz cx="12192000" cy="6858000"/>
   <p:notesSz cx="6858000" cy="9144000"/>
@@ -104,6 +105,11 @@
       </a:defRPr>
     </a:lvl9pPr>
   </p:defaultTextStyle>
+  <p:extLst>
+    <p:ext uri="{EFAFB233-063F-42B5-8137-9DF3F51BA10A}">
+      <p15:sldGuideLst xmlns:p15="http://schemas.microsoft.com/office/powerpoint/2012/main"/>
+    </p:ext>
+  </p:extLst>
 </p:presentation>
 </file>
 
@@ -256,7 +262,7 @@
           <a:p>
             <a:fld id="{17CDBA65-083A-4E70-9FE9-B952E4C0E953}" type="datetimeFigureOut">
               <a:rPr lang="es-CO" smtClean="0"/>
-              <a:t>3/05/2023</a:t>
+              <a:t>6/05/2023</a:t>
             </a:fld>
             <a:endParaRPr lang="es-CO"/>
           </a:p>
@@ -456,7 +462,7 @@
           <a:p>
             <a:fld id="{17CDBA65-083A-4E70-9FE9-B952E4C0E953}" type="datetimeFigureOut">
               <a:rPr lang="es-CO" smtClean="0"/>
-              <a:t>3/05/2023</a:t>
+              <a:t>6/05/2023</a:t>
             </a:fld>
             <a:endParaRPr lang="es-CO"/>
           </a:p>
@@ -666,7 +672,7 @@
           <a:p>
             <a:fld id="{17CDBA65-083A-4E70-9FE9-B952E4C0E953}" type="datetimeFigureOut">
               <a:rPr lang="es-CO" smtClean="0"/>
-              <a:t>3/05/2023</a:t>
+              <a:t>6/05/2023</a:t>
             </a:fld>
             <a:endParaRPr lang="es-CO"/>
           </a:p>
@@ -866,7 +872,7 @@
           <a:p>
             <a:fld id="{17CDBA65-083A-4E70-9FE9-B952E4C0E953}" type="datetimeFigureOut">
               <a:rPr lang="es-CO" smtClean="0"/>
-              <a:t>3/05/2023</a:t>
+              <a:t>6/05/2023</a:t>
             </a:fld>
             <a:endParaRPr lang="es-CO"/>
           </a:p>
@@ -1142,7 +1148,7 @@
           <a:p>
             <a:fld id="{17CDBA65-083A-4E70-9FE9-B952E4C0E953}" type="datetimeFigureOut">
               <a:rPr lang="es-CO" smtClean="0"/>
-              <a:t>3/05/2023</a:t>
+              <a:t>6/05/2023</a:t>
             </a:fld>
             <a:endParaRPr lang="es-CO"/>
           </a:p>
@@ -1410,7 +1416,7 @@
           <a:p>
             <a:fld id="{17CDBA65-083A-4E70-9FE9-B952E4C0E953}" type="datetimeFigureOut">
               <a:rPr lang="es-CO" smtClean="0"/>
-              <a:t>3/05/2023</a:t>
+              <a:t>6/05/2023</a:t>
             </a:fld>
             <a:endParaRPr lang="es-CO"/>
           </a:p>
@@ -1825,7 +1831,7 @@
           <a:p>
             <a:fld id="{17CDBA65-083A-4E70-9FE9-B952E4C0E953}" type="datetimeFigureOut">
               <a:rPr lang="es-CO" smtClean="0"/>
-              <a:t>3/05/2023</a:t>
+              <a:t>6/05/2023</a:t>
             </a:fld>
             <a:endParaRPr lang="es-CO"/>
           </a:p>
@@ -1967,7 +1973,7 @@
           <a:p>
             <a:fld id="{17CDBA65-083A-4E70-9FE9-B952E4C0E953}" type="datetimeFigureOut">
               <a:rPr lang="es-CO" smtClean="0"/>
-              <a:t>3/05/2023</a:t>
+              <a:t>6/05/2023</a:t>
             </a:fld>
             <a:endParaRPr lang="es-CO"/>
           </a:p>
@@ -2080,7 +2086,7 @@
           <a:p>
             <a:fld id="{17CDBA65-083A-4E70-9FE9-B952E4C0E953}" type="datetimeFigureOut">
               <a:rPr lang="es-CO" smtClean="0"/>
-              <a:t>3/05/2023</a:t>
+              <a:t>6/05/2023</a:t>
             </a:fld>
             <a:endParaRPr lang="es-CO"/>
           </a:p>
@@ -2393,7 +2399,7 @@
           <a:p>
             <a:fld id="{17CDBA65-083A-4E70-9FE9-B952E4C0E953}" type="datetimeFigureOut">
               <a:rPr lang="es-CO" smtClean="0"/>
-              <a:t>3/05/2023</a:t>
+              <a:t>6/05/2023</a:t>
             </a:fld>
             <a:endParaRPr lang="es-CO"/>
           </a:p>
@@ -2682,7 +2688,7 @@
           <a:p>
             <a:fld id="{17CDBA65-083A-4E70-9FE9-B952E4C0E953}" type="datetimeFigureOut">
               <a:rPr lang="es-CO" smtClean="0"/>
-              <a:t>3/05/2023</a:t>
+              <a:t>6/05/2023</a:t>
             </a:fld>
             <a:endParaRPr lang="es-CO"/>
           </a:p>
@@ -2925,7 +2931,7 @@
           <a:p>
             <a:fld id="{17CDBA65-083A-4E70-9FE9-B952E4C0E953}" type="datetimeFigureOut">
               <a:rPr lang="es-CO" smtClean="0"/>
-              <a:t>3/05/2023</a:t>
+              <a:t>6/05/2023</a:t>
             </a:fld>
             <a:endParaRPr lang="es-CO"/>
           </a:p>
@@ -4654,6 +4660,536 @@
 </p:sld>
 </file>
 
+<file path=ppt/slides/slide2.xml><?xml version="1.0" encoding="utf-8"?>
+<p:sld xmlns:a="http://schemas.openxmlformats.org/drawingml/2006/main" xmlns:r="http://schemas.openxmlformats.org/officeDocument/2006/relationships" xmlns:p="http://schemas.openxmlformats.org/presentationml/2006/main">
+  <p:cSld>
+    <p:spTree>
+      <p:nvGrpSpPr>
+        <p:cNvPr id="1" name=""/>
+        <p:cNvGrpSpPr/>
+        <p:nvPr/>
+      </p:nvGrpSpPr>
+      <p:grpSpPr>
+        <a:xfrm>
+          <a:off x="0" y="0"/>
+          <a:ext cx="0" cy="0"/>
+          <a:chOff x="0" y="0"/>
+          <a:chExt cx="0" cy="0"/>
+        </a:xfrm>
+      </p:grpSpPr>
+      <p:sp>
+        <p:nvSpPr>
+          <p:cNvPr id="4" name="Rectángulo 3">
+            <a:extLst>
+              <a:ext uri="{FF2B5EF4-FFF2-40B4-BE49-F238E27FC236}">
+                <a16:creationId xmlns:a16="http://schemas.microsoft.com/office/drawing/2014/main" id="{6C8D866C-8FF3-5EED-F1BF-470C62A80586}"/>
+              </a:ext>
+            </a:extLst>
+          </p:cNvPr>
+          <p:cNvSpPr/>
+          <p:nvPr/>
+        </p:nvSpPr>
+        <p:spPr>
+          <a:xfrm>
+            <a:off x="4400006" y="1728652"/>
+            <a:ext cx="1619794" cy="1619794"/>
+          </a:xfrm>
+          <a:prstGeom prst="rect">
+            <a:avLst/>
+          </a:prstGeom>
+          <a:solidFill>
+            <a:schemeClr val="accent6">
+              <a:lumMod val="60000"/>
+              <a:lumOff val="40000"/>
+            </a:schemeClr>
+          </a:solidFill>
+          <a:ln>
+            <a:noFill/>
+          </a:ln>
+        </p:spPr>
+        <p:style>
+          <a:lnRef idx="2">
+            <a:schemeClr val="accent1">
+              <a:shade val="50000"/>
+            </a:schemeClr>
+          </a:lnRef>
+          <a:fillRef idx="1">
+            <a:schemeClr val="accent1"/>
+          </a:fillRef>
+          <a:effectRef idx="0">
+            <a:schemeClr val="accent1"/>
+          </a:effectRef>
+          <a:fontRef idx="minor">
+            <a:schemeClr val="lt1"/>
+          </a:fontRef>
+        </p:style>
+        <p:txBody>
+          <a:bodyPr rtlCol="0" anchor="ctr"/>
+          <a:lstStyle/>
+          <a:p>
+            <a:pPr algn="ctr"/>
+            <a:r>
+              <a:rPr lang="es-MX" dirty="0">
+                <a:solidFill>
+                  <a:schemeClr val="tx1"/>
+                </a:solidFill>
+              </a:rPr>
+              <a:t>TN</a:t>
+            </a:r>
+            <a:endParaRPr lang="es-CO" dirty="0">
+              <a:solidFill>
+                <a:schemeClr val="tx1"/>
+              </a:solidFill>
+            </a:endParaRPr>
+          </a:p>
+        </p:txBody>
+      </p:sp>
+      <p:sp>
+        <p:nvSpPr>
+          <p:cNvPr id="5" name="Rectángulo 4">
+            <a:extLst>
+              <a:ext uri="{FF2B5EF4-FFF2-40B4-BE49-F238E27FC236}">
+                <a16:creationId xmlns:a16="http://schemas.microsoft.com/office/drawing/2014/main" id="{D280E0B6-7C42-66C5-BB0D-55456F62B509}"/>
+              </a:ext>
+            </a:extLst>
+          </p:cNvPr>
+          <p:cNvSpPr/>
+          <p:nvPr/>
+        </p:nvSpPr>
+        <p:spPr>
+          <a:xfrm>
+            <a:off x="6172200" y="1728652"/>
+            <a:ext cx="1619794" cy="1619794"/>
+          </a:xfrm>
+          <a:prstGeom prst="rect">
+            <a:avLst/>
+          </a:prstGeom>
+          <a:solidFill>
+            <a:srgbClr val="FF9999"/>
+          </a:solidFill>
+          <a:ln>
+            <a:noFill/>
+          </a:ln>
+        </p:spPr>
+        <p:style>
+          <a:lnRef idx="2">
+            <a:schemeClr val="accent1">
+              <a:shade val="50000"/>
+            </a:schemeClr>
+          </a:lnRef>
+          <a:fillRef idx="1">
+            <a:schemeClr val="accent1"/>
+          </a:fillRef>
+          <a:effectRef idx="0">
+            <a:schemeClr val="accent1"/>
+          </a:effectRef>
+          <a:fontRef idx="minor">
+            <a:schemeClr val="lt1"/>
+          </a:fontRef>
+        </p:style>
+        <p:txBody>
+          <a:bodyPr rtlCol="0" anchor="ctr"/>
+          <a:lstStyle/>
+          <a:p>
+            <a:pPr algn="ctr"/>
+            <a:r>
+              <a:rPr lang="es-MX" dirty="0">
+                <a:solidFill>
+                  <a:schemeClr val="tx1"/>
+                </a:solidFill>
+              </a:rPr>
+              <a:t>FN</a:t>
+            </a:r>
+            <a:endParaRPr lang="es-CO" dirty="0">
+              <a:solidFill>
+                <a:schemeClr val="tx1"/>
+              </a:solidFill>
+            </a:endParaRPr>
+          </a:p>
+        </p:txBody>
+      </p:sp>
+      <p:sp>
+        <p:nvSpPr>
+          <p:cNvPr id="6" name="Rectángulo 5">
+            <a:extLst>
+              <a:ext uri="{FF2B5EF4-FFF2-40B4-BE49-F238E27FC236}">
+                <a16:creationId xmlns:a16="http://schemas.microsoft.com/office/drawing/2014/main" id="{498F1845-E8B6-C6CA-CED8-CDBDE655B991}"/>
+              </a:ext>
+            </a:extLst>
+          </p:cNvPr>
+          <p:cNvSpPr/>
+          <p:nvPr/>
+        </p:nvSpPr>
+        <p:spPr>
+          <a:xfrm>
+            <a:off x="4400006" y="3509554"/>
+            <a:ext cx="1619794" cy="1619794"/>
+          </a:xfrm>
+          <a:prstGeom prst="rect">
+            <a:avLst/>
+          </a:prstGeom>
+          <a:solidFill>
+            <a:srgbClr val="FF9999"/>
+          </a:solidFill>
+          <a:ln>
+            <a:noFill/>
+          </a:ln>
+        </p:spPr>
+        <p:style>
+          <a:lnRef idx="2">
+            <a:schemeClr val="accent1">
+              <a:shade val="50000"/>
+            </a:schemeClr>
+          </a:lnRef>
+          <a:fillRef idx="1">
+            <a:schemeClr val="accent1"/>
+          </a:fillRef>
+          <a:effectRef idx="0">
+            <a:schemeClr val="accent1"/>
+          </a:effectRef>
+          <a:fontRef idx="minor">
+            <a:schemeClr val="lt1"/>
+          </a:fontRef>
+        </p:style>
+        <p:txBody>
+          <a:bodyPr rtlCol="0" anchor="ctr"/>
+          <a:lstStyle/>
+          <a:p>
+            <a:pPr algn="ctr"/>
+            <a:r>
+              <a:rPr lang="es-MX" dirty="0">
+                <a:solidFill>
+                  <a:schemeClr val="tx1"/>
+                </a:solidFill>
+              </a:rPr>
+              <a:t>FP</a:t>
+            </a:r>
+            <a:endParaRPr lang="es-CO" dirty="0">
+              <a:solidFill>
+                <a:schemeClr val="tx1"/>
+              </a:solidFill>
+            </a:endParaRPr>
+          </a:p>
+        </p:txBody>
+      </p:sp>
+      <p:sp>
+        <p:nvSpPr>
+          <p:cNvPr id="7" name="Rectángulo 6">
+            <a:extLst>
+              <a:ext uri="{FF2B5EF4-FFF2-40B4-BE49-F238E27FC236}">
+                <a16:creationId xmlns:a16="http://schemas.microsoft.com/office/drawing/2014/main" id="{33A85B28-8D74-8FA9-7093-3CB9165C8CD1}"/>
+              </a:ext>
+            </a:extLst>
+          </p:cNvPr>
+          <p:cNvSpPr/>
+          <p:nvPr/>
+        </p:nvSpPr>
+        <p:spPr>
+          <a:xfrm>
+            <a:off x="6172200" y="3509554"/>
+            <a:ext cx="1619794" cy="1619794"/>
+          </a:xfrm>
+          <a:prstGeom prst="rect">
+            <a:avLst/>
+          </a:prstGeom>
+          <a:solidFill>
+            <a:schemeClr val="accent6">
+              <a:lumMod val="60000"/>
+              <a:lumOff val="40000"/>
+            </a:schemeClr>
+          </a:solidFill>
+          <a:ln>
+            <a:noFill/>
+          </a:ln>
+        </p:spPr>
+        <p:style>
+          <a:lnRef idx="2">
+            <a:schemeClr val="accent1">
+              <a:shade val="50000"/>
+            </a:schemeClr>
+          </a:lnRef>
+          <a:fillRef idx="1">
+            <a:schemeClr val="accent1"/>
+          </a:fillRef>
+          <a:effectRef idx="0">
+            <a:schemeClr val="accent1"/>
+          </a:effectRef>
+          <a:fontRef idx="minor">
+            <a:schemeClr val="lt1"/>
+          </a:fontRef>
+        </p:style>
+        <p:txBody>
+          <a:bodyPr rtlCol="0" anchor="ctr"/>
+          <a:lstStyle/>
+          <a:p>
+            <a:pPr algn="ctr"/>
+            <a:r>
+              <a:rPr lang="es-MX" dirty="0">
+                <a:solidFill>
+                  <a:schemeClr val="tx1"/>
+                </a:solidFill>
+              </a:rPr>
+              <a:t>TP</a:t>
+            </a:r>
+            <a:endParaRPr lang="es-CO" dirty="0">
+              <a:solidFill>
+                <a:schemeClr val="tx1"/>
+              </a:solidFill>
+            </a:endParaRPr>
+          </a:p>
+        </p:txBody>
+      </p:sp>
+      <p:sp>
+        <p:nvSpPr>
+          <p:cNvPr id="10" name="CuadroTexto 9">
+            <a:extLst>
+              <a:ext uri="{FF2B5EF4-FFF2-40B4-BE49-F238E27FC236}">
+                <a16:creationId xmlns:a16="http://schemas.microsoft.com/office/drawing/2014/main" id="{EE7514F0-F18E-4EAF-AB48-E17D80ADEBDF}"/>
+              </a:ext>
+            </a:extLst>
+          </p:cNvPr>
+          <p:cNvSpPr txBox="1"/>
+          <p:nvPr/>
+        </p:nvSpPr>
+        <p:spPr>
+          <a:xfrm>
+            <a:off x="5691051" y="698550"/>
+            <a:ext cx="809897" cy="369332"/>
+          </a:xfrm>
+          <a:prstGeom prst="rect">
+            <a:avLst/>
+          </a:prstGeom>
+          <a:noFill/>
+        </p:spPr>
+        <p:txBody>
+          <a:bodyPr wrap="square" rtlCol="0">
+            <a:spAutoFit/>
+          </a:bodyPr>
+          <a:lstStyle/>
+          <a:p>
+            <a:pPr algn="ctr"/>
+            <a:r>
+              <a:rPr lang="es-MX" dirty="0">
+                <a:solidFill>
+                  <a:srgbClr val="0070C0"/>
+                </a:solidFill>
+              </a:rPr>
+              <a:t>Actual</a:t>
+            </a:r>
+            <a:endParaRPr lang="es-CO" dirty="0">
+              <a:solidFill>
+                <a:srgbClr val="0070C0"/>
+              </a:solidFill>
+            </a:endParaRPr>
+          </a:p>
+        </p:txBody>
+      </p:sp>
+      <p:sp>
+        <p:nvSpPr>
+          <p:cNvPr id="11" name="CuadroTexto 10">
+            <a:extLst>
+              <a:ext uri="{FF2B5EF4-FFF2-40B4-BE49-F238E27FC236}">
+                <a16:creationId xmlns:a16="http://schemas.microsoft.com/office/drawing/2014/main" id="{7BD51219-82A5-3E93-6040-E82949BCEEAA}"/>
+              </a:ext>
+            </a:extLst>
+          </p:cNvPr>
+          <p:cNvSpPr txBox="1"/>
+          <p:nvPr/>
+        </p:nvSpPr>
+        <p:spPr>
+          <a:xfrm rot="16200000">
+            <a:off x="3005929" y="3244333"/>
+            <a:ext cx="1132115" cy="369332"/>
+          </a:xfrm>
+          <a:prstGeom prst="rect">
+            <a:avLst/>
+          </a:prstGeom>
+          <a:noFill/>
+        </p:spPr>
+        <p:txBody>
+          <a:bodyPr wrap="square" rtlCol="0">
+            <a:spAutoFit/>
+          </a:bodyPr>
+          <a:lstStyle/>
+          <a:p>
+            <a:pPr algn="ctr"/>
+            <a:r>
+              <a:rPr lang="es-MX" dirty="0">
+                <a:solidFill>
+                  <a:srgbClr val="0070C0"/>
+                </a:solidFill>
+              </a:rPr>
+              <a:t>Predicted</a:t>
+            </a:r>
+            <a:endParaRPr lang="es-CO" dirty="0">
+              <a:solidFill>
+                <a:srgbClr val="0070C0"/>
+              </a:solidFill>
+            </a:endParaRPr>
+          </a:p>
+        </p:txBody>
+      </p:sp>
+      <p:sp>
+        <p:nvSpPr>
+          <p:cNvPr id="12" name="CuadroTexto 11">
+            <a:extLst>
+              <a:ext uri="{FF2B5EF4-FFF2-40B4-BE49-F238E27FC236}">
+                <a16:creationId xmlns:a16="http://schemas.microsoft.com/office/drawing/2014/main" id="{EF861FCC-53A8-4B04-7722-5ABE5A7DB804}"/>
+              </a:ext>
+            </a:extLst>
+          </p:cNvPr>
+          <p:cNvSpPr txBox="1"/>
+          <p:nvPr/>
+        </p:nvSpPr>
+        <p:spPr>
+          <a:xfrm>
+            <a:off x="4400006" y="1228990"/>
+            <a:ext cx="1619794" cy="338554"/>
+          </a:xfrm>
+          <a:prstGeom prst="rect">
+            <a:avLst/>
+          </a:prstGeom>
+          <a:noFill/>
+        </p:spPr>
+        <p:txBody>
+          <a:bodyPr wrap="square" rtlCol="0">
+            <a:spAutoFit/>
+          </a:bodyPr>
+          <a:lstStyle/>
+          <a:p>
+            <a:pPr algn="ctr"/>
+            <a:r>
+              <a:rPr lang="es-MX" sz="1600" dirty="0"/>
+              <a:t>No Heart Disease</a:t>
+            </a:r>
+            <a:endParaRPr lang="es-CO" sz="1600" dirty="0"/>
+          </a:p>
+        </p:txBody>
+      </p:sp>
+      <p:sp>
+        <p:nvSpPr>
+          <p:cNvPr id="13" name="CuadroTexto 12">
+            <a:extLst>
+              <a:ext uri="{FF2B5EF4-FFF2-40B4-BE49-F238E27FC236}">
+                <a16:creationId xmlns:a16="http://schemas.microsoft.com/office/drawing/2014/main" id="{2B467DFF-3A5D-4424-6652-51D590C2F876}"/>
+              </a:ext>
+            </a:extLst>
+          </p:cNvPr>
+          <p:cNvSpPr txBox="1"/>
+          <p:nvPr/>
+        </p:nvSpPr>
+        <p:spPr>
+          <a:xfrm>
+            <a:off x="6172200" y="1228990"/>
+            <a:ext cx="1619794" cy="338554"/>
+          </a:xfrm>
+          <a:prstGeom prst="rect">
+            <a:avLst/>
+          </a:prstGeom>
+          <a:noFill/>
+        </p:spPr>
+        <p:txBody>
+          <a:bodyPr wrap="square" rtlCol="0">
+            <a:spAutoFit/>
+          </a:bodyPr>
+          <a:lstStyle/>
+          <a:p>
+            <a:pPr algn="ctr"/>
+            <a:r>
+              <a:rPr lang="es-MX" sz="1600" dirty="0"/>
+              <a:t>Heart Disease</a:t>
+            </a:r>
+            <a:endParaRPr lang="es-CO" sz="1600" dirty="0"/>
+          </a:p>
+        </p:txBody>
+      </p:sp>
+      <p:sp>
+        <p:nvSpPr>
+          <p:cNvPr id="14" name="CuadroTexto 13">
+            <a:extLst>
+              <a:ext uri="{FF2B5EF4-FFF2-40B4-BE49-F238E27FC236}">
+                <a16:creationId xmlns:a16="http://schemas.microsoft.com/office/drawing/2014/main" id="{5C38FDE8-DE81-D5A2-CA71-1287D4B83205}"/>
+              </a:ext>
+            </a:extLst>
+          </p:cNvPr>
+          <p:cNvSpPr txBox="1"/>
+          <p:nvPr/>
+        </p:nvSpPr>
+        <p:spPr>
+          <a:xfrm rot="16200000">
+            <a:off x="3268432" y="2369272"/>
+            <a:ext cx="1619794" cy="338554"/>
+          </a:xfrm>
+          <a:prstGeom prst="rect">
+            <a:avLst/>
+          </a:prstGeom>
+          <a:noFill/>
+        </p:spPr>
+        <p:txBody>
+          <a:bodyPr wrap="square" rtlCol="0">
+            <a:spAutoFit/>
+          </a:bodyPr>
+          <a:lstStyle/>
+          <a:p>
+            <a:pPr algn="ctr"/>
+            <a:r>
+              <a:rPr lang="es-MX" sz="1600" dirty="0"/>
+              <a:t>No Heart Disease</a:t>
+            </a:r>
+            <a:endParaRPr lang="es-CO" sz="1600" dirty="0"/>
+          </a:p>
+        </p:txBody>
+      </p:sp>
+      <p:sp>
+        <p:nvSpPr>
+          <p:cNvPr id="15" name="CuadroTexto 14">
+            <a:extLst>
+              <a:ext uri="{FF2B5EF4-FFF2-40B4-BE49-F238E27FC236}">
+                <a16:creationId xmlns:a16="http://schemas.microsoft.com/office/drawing/2014/main" id="{FA1FEEB9-70C4-01A7-B993-87C3686C2DD0}"/>
+              </a:ext>
+            </a:extLst>
+          </p:cNvPr>
+          <p:cNvSpPr txBox="1"/>
+          <p:nvPr/>
+        </p:nvSpPr>
+        <p:spPr>
+          <a:xfrm rot="16200000">
+            <a:off x="3268432" y="4150174"/>
+            <a:ext cx="1619794" cy="338554"/>
+          </a:xfrm>
+          <a:prstGeom prst="rect">
+            <a:avLst/>
+          </a:prstGeom>
+          <a:noFill/>
+        </p:spPr>
+        <p:txBody>
+          <a:bodyPr wrap="square" rtlCol="0">
+            <a:spAutoFit/>
+          </a:bodyPr>
+          <a:lstStyle/>
+          <a:p>
+            <a:pPr algn="ctr"/>
+            <a:r>
+              <a:rPr lang="es-MX" sz="1600" dirty="0"/>
+              <a:t>Heart Disease</a:t>
+            </a:r>
+            <a:endParaRPr lang="es-CO" sz="1600" dirty="0"/>
+          </a:p>
+        </p:txBody>
+      </p:sp>
+    </p:spTree>
+    <p:extLst>
+      <p:ext uri="{BB962C8B-B14F-4D97-AF65-F5344CB8AC3E}">
+        <p14:creationId xmlns:p14="http://schemas.microsoft.com/office/powerpoint/2010/main" val="2220227339"/>
+      </p:ext>
+    </p:extLst>
+  </p:cSld>
+  <p:clrMapOvr>
+    <a:masterClrMapping/>
+  </p:clrMapOvr>
+</p:sld>
+</file>
+
 <file path=ppt/theme/theme1.xml><?xml version="1.0" encoding="utf-8"?>
 <a:theme xmlns:a="http://schemas.openxmlformats.org/drawingml/2006/main" name="Tema de Office">
   <a:themeElements>

--- a/Reportes/Originales/k fold Cross Validation.pptx
+++ b/Reportes/Originales/k fold Cross Validation.pptx
@@ -6,7 +6,9 @@
   </p:sldMasterIdLst>
   <p:sldIdLst>
     <p:sldId id="256" r:id="rId2"/>
-    <p:sldId id="257" r:id="rId3"/>
+    <p:sldId id="258" r:id="rId3"/>
+    <p:sldId id="257" r:id="rId4"/>
+    <p:sldId id="259" r:id="rId5"/>
   </p:sldIdLst>
   <p:sldSz cx="12192000" cy="6858000"/>
   <p:notesSz cx="6858000" cy="9144000"/>
@@ -4682,7 +4684,7 @@
           <p:cNvPr id="4" name="Rectángulo 3">
             <a:extLst>
               <a:ext uri="{FF2B5EF4-FFF2-40B4-BE49-F238E27FC236}">
-                <a16:creationId xmlns:a16="http://schemas.microsoft.com/office/drawing/2014/main" id="{6C8D866C-8FF3-5EED-F1BF-470C62A80586}"/>
+                <a16:creationId xmlns:a16="http://schemas.microsoft.com/office/drawing/2014/main" id="{6FE1FD28-26EB-DF70-6F29-9EE4E8BD1F8A}"/>
               </a:ext>
             </a:extLst>
           </p:cNvPr>
@@ -4691,8 +4693,67 @@
         </p:nvSpPr>
         <p:spPr>
           <a:xfrm>
-            <a:off x="4400006" y="1728652"/>
-            <a:ext cx="1619794" cy="1619794"/>
+            <a:off x="0" y="252549"/>
+            <a:ext cx="12191999" cy="687977"/>
+          </a:xfrm>
+          <a:prstGeom prst="rect">
+            <a:avLst/>
+          </a:prstGeom>
+          <a:solidFill>
+            <a:srgbClr val="8EC26A"/>
+          </a:solidFill>
+          <a:ln>
+            <a:noFill/>
+          </a:ln>
+        </p:spPr>
+        <p:style>
+          <a:lnRef idx="2">
+            <a:schemeClr val="accent1">
+              <a:shade val="50000"/>
+            </a:schemeClr>
+          </a:lnRef>
+          <a:fillRef idx="1">
+            <a:schemeClr val="accent1"/>
+          </a:fillRef>
+          <a:effectRef idx="0">
+            <a:schemeClr val="accent1"/>
+          </a:effectRef>
+          <a:fontRef idx="minor">
+            <a:schemeClr val="lt1"/>
+          </a:fontRef>
+        </p:style>
+        <p:txBody>
+          <a:bodyPr rtlCol="0" anchor="ctr"/>
+          <a:lstStyle/>
+          <a:p>
+            <a:pPr algn="ctr"/>
+            <a:r>
+              <a:rPr lang="es-CO" dirty="0">
+                <a:solidFill>
+                  <a:schemeClr val="tx1"/>
+                </a:solidFill>
+              </a:rPr>
+              <a:t>Dataset</a:t>
+            </a:r>
+          </a:p>
+        </p:txBody>
+      </p:sp>
+      <p:sp>
+        <p:nvSpPr>
+          <p:cNvPr id="5" name="Rectángulo 4">
+            <a:extLst>
+              <a:ext uri="{FF2B5EF4-FFF2-40B4-BE49-F238E27FC236}">
+                <a16:creationId xmlns:a16="http://schemas.microsoft.com/office/drawing/2014/main" id="{2FADB65F-DC76-FCBB-9F5C-5783EE9FD174}"/>
+              </a:ext>
+            </a:extLst>
+          </p:cNvPr>
+          <p:cNvSpPr/>
+          <p:nvPr/>
+        </p:nvSpPr>
+        <p:spPr>
+          <a:xfrm>
+            <a:off x="0" y="1162594"/>
+            <a:ext cx="9109166" cy="687977"/>
           </a:xfrm>
           <a:prstGeom prst="rect">
             <a:avLst/>
@@ -4729,27 +4790,22 @@
           <a:p>
             <a:pPr algn="ctr"/>
             <a:r>
-              <a:rPr lang="es-MX" dirty="0">
+              <a:rPr lang="es-CO" dirty="0">
                 <a:solidFill>
                   <a:schemeClr val="tx1"/>
                 </a:solidFill>
               </a:rPr>
-              <a:t>TN</a:t>
-            </a:r>
-            <a:endParaRPr lang="es-CO" dirty="0">
-              <a:solidFill>
-                <a:schemeClr val="tx1"/>
-              </a:solidFill>
-            </a:endParaRPr>
-          </a:p>
-        </p:txBody>
-      </p:sp>
-      <p:sp>
-        <p:nvSpPr>
-          <p:cNvPr id="5" name="Rectángulo 4">
-            <a:extLst>
-              <a:ext uri="{FF2B5EF4-FFF2-40B4-BE49-F238E27FC236}">
-                <a16:creationId xmlns:a16="http://schemas.microsoft.com/office/drawing/2014/main" id="{D280E0B6-7C42-66C5-BB0D-55456F62B509}"/>
+              <a:t>Chunk 1</a:t>
+            </a:r>
+          </a:p>
+        </p:txBody>
+      </p:sp>
+      <p:sp>
+        <p:nvSpPr>
+          <p:cNvPr id="7" name="Rectángulo 6">
+            <a:extLst>
+              <a:ext uri="{FF2B5EF4-FFF2-40B4-BE49-F238E27FC236}">
+                <a16:creationId xmlns:a16="http://schemas.microsoft.com/office/drawing/2014/main" id="{ACE5D7C2-3FD0-4BE1-0DEF-B6592ED60145}"/>
               </a:ext>
             </a:extLst>
           </p:cNvPr>
@@ -4758,136 +4814,8 @@
         </p:nvSpPr>
         <p:spPr>
           <a:xfrm>
-            <a:off x="6172200" y="1728652"/>
-            <a:ext cx="1619794" cy="1619794"/>
-          </a:xfrm>
-          <a:prstGeom prst="rect">
-            <a:avLst/>
-          </a:prstGeom>
-          <a:solidFill>
-            <a:srgbClr val="FF9999"/>
-          </a:solidFill>
-          <a:ln>
-            <a:noFill/>
-          </a:ln>
-        </p:spPr>
-        <p:style>
-          <a:lnRef idx="2">
-            <a:schemeClr val="accent1">
-              <a:shade val="50000"/>
-            </a:schemeClr>
-          </a:lnRef>
-          <a:fillRef idx="1">
-            <a:schemeClr val="accent1"/>
-          </a:fillRef>
-          <a:effectRef idx="0">
-            <a:schemeClr val="accent1"/>
-          </a:effectRef>
-          <a:fontRef idx="minor">
-            <a:schemeClr val="lt1"/>
-          </a:fontRef>
-        </p:style>
-        <p:txBody>
-          <a:bodyPr rtlCol="0" anchor="ctr"/>
-          <a:lstStyle/>
-          <a:p>
-            <a:pPr algn="ctr"/>
-            <a:r>
-              <a:rPr lang="es-MX" dirty="0">
-                <a:solidFill>
-                  <a:schemeClr val="tx1"/>
-                </a:solidFill>
-              </a:rPr>
-              <a:t>FN</a:t>
-            </a:r>
-            <a:endParaRPr lang="es-CO" dirty="0">
-              <a:solidFill>
-                <a:schemeClr val="tx1"/>
-              </a:solidFill>
-            </a:endParaRPr>
-          </a:p>
-        </p:txBody>
-      </p:sp>
-      <p:sp>
-        <p:nvSpPr>
-          <p:cNvPr id="6" name="Rectángulo 5">
-            <a:extLst>
-              <a:ext uri="{FF2B5EF4-FFF2-40B4-BE49-F238E27FC236}">
-                <a16:creationId xmlns:a16="http://schemas.microsoft.com/office/drawing/2014/main" id="{498F1845-E8B6-C6CA-CED8-CDBDE655B991}"/>
-              </a:ext>
-            </a:extLst>
-          </p:cNvPr>
-          <p:cNvSpPr/>
-          <p:nvPr/>
-        </p:nvSpPr>
-        <p:spPr>
-          <a:xfrm>
-            <a:off x="4400006" y="3509554"/>
-            <a:ext cx="1619794" cy="1619794"/>
-          </a:xfrm>
-          <a:prstGeom prst="rect">
-            <a:avLst/>
-          </a:prstGeom>
-          <a:solidFill>
-            <a:srgbClr val="FF9999"/>
-          </a:solidFill>
-          <a:ln>
-            <a:noFill/>
-          </a:ln>
-        </p:spPr>
-        <p:style>
-          <a:lnRef idx="2">
-            <a:schemeClr val="accent1">
-              <a:shade val="50000"/>
-            </a:schemeClr>
-          </a:lnRef>
-          <a:fillRef idx="1">
-            <a:schemeClr val="accent1"/>
-          </a:fillRef>
-          <a:effectRef idx="0">
-            <a:schemeClr val="accent1"/>
-          </a:effectRef>
-          <a:fontRef idx="minor">
-            <a:schemeClr val="lt1"/>
-          </a:fontRef>
-        </p:style>
-        <p:txBody>
-          <a:bodyPr rtlCol="0" anchor="ctr"/>
-          <a:lstStyle/>
-          <a:p>
-            <a:pPr algn="ctr"/>
-            <a:r>
-              <a:rPr lang="es-MX" dirty="0">
-                <a:solidFill>
-                  <a:schemeClr val="tx1"/>
-                </a:solidFill>
-              </a:rPr>
-              <a:t>FP</a:t>
-            </a:r>
-            <a:endParaRPr lang="es-CO" dirty="0">
-              <a:solidFill>
-                <a:schemeClr val="tx1"/>
-              </a:solidFill>
-            </a:endParaRPr>
-          </a:p>
-        </p:txBody>
-      </p:sp>
-      <p:sp>
-        <p:nvSpPr>
-          <p:cNvPr id="7" name="Rectángulo 6">
-            <a:extLst>
-              <a:ext uri="{FF2B5EF4-FFF2-40B4-BE49-F238E27FC236}">
-                <a16:creationId xmlns:a16="http://schemas.microsoft.com/office/drawing/2014/main" id="{33A85B28-8D74-8FA9-7093-3CB9165C8CD1}"/>
-              </a:ext>
-            </a:extLst>
-          </p:cNvPr>
-          <p:cNvSpPr/>
-          <p:nvPr/>
-        </p:nvSpPr>
-        <p:spPr>
-          <a:xfrm>
-            <a:off x="6172200" y="3509554"/>
-            <a:ext cx="1619794" cy="1619794"/>
+            <a:off x="9274629" y="1162593"/>
+            <a:ext cx="2926080" cy="687977"/>
           </a:xfrm>
           <a:prstGeom prst="rect">
             <a:avLst/>
@@ -4924,6 +4852,417 @@
           <a:p>
             <a:pPr algn="ctr"/>
             <a:r>
+              <a:rPr lang="es-CO" dirty="0">
+                <a:solidFill>
+                  <a:schemeClr val="tx1"/>
+                </a:solidFill>
+              </a:rPr>
+              <a:t>Chunk 2</a:t>
+            </a:r>
+          </a:p>
+        </p:txBody>
+      </p:sp>
+      <p:sp>
+        <p:nvSpPr>
+          <p:cNvPr id="11" name="Rectángulo 10">
+            <a:extLst>
+              <a:ext uri="{FF2B5EF4-FFF2-40B4-BE49-F238E27FC236}">
+                <a16:creationId xmlns:a16="http://schemas.microsoft.com/office/drawing/2014/main" id="{AA4E9EFD-F5AD-20EC-7DF9-70A16E268DD6}"/>
+              </a:ext>
+            </a:extLst>
+          </p:cNvPr>
+          <p:cNvSpPr/>
+          <p:nvPr/>
+        </p:nvSpPr>
+        <p:spPr>
+          <a:xfrm>
+            <a:off x="-1" y="2072635"/>
+            <a:ext cx="9109165" cy="687977"/>
+          </a:xfrm>
+          <a:prstGeom prst="rect">
+            <a:avLst/>
+          </a:prstGeom>
+          <a:solidFill>
+            <a:schemeClr val="accent5">
+              <a:lumMod val="60000"/>
+              <a:lumOff val="40000"/>
+            </a:schemeClr>
+          </a:solidFill>
+          <a:ln>
+            <a:noFill/>
+          </a:ln>
+        </p:spPr>
+        <p:style>
+          <a:lnRef idx="2">
+            <a:schemeClr val="accent1">
+              <a:shade val="50000"/>
+            </a:schemeClr>
+          </a:lnRef>
+          <a:fillRef idx="1">
+            <a:schemeClr val="accent1"/>
+          </a:fillRef>
+          <a:effectRef idx="0">
+            <a:schemeClr val="accent1"/>
+          </a:effectRef>
+          <a:fontRef idx="minor">
+            <a:schemeClr val="lt1"/>
+          </a:fontRef>
+        </p:style>
+        <p:txBody>
+          <a:bodyPr rtlCol="0" anchor="ctr"/>
+          <a:lstStyle/>
+          <a:p>
+            <a:pPr algn="ctr"/>
+            <a:r>
+              <a:rPr lang="es-CO" dirty="0">
+                <a:solidFill>
+                  <a:schemeClr val="tx1"/>
+                </a:solidFill>
+              </a:rPr>
+              <a:t>Train</a:t>
+            </a:r>
+          </a:p>
+        </p:txBody>
+      </p:sp>
+      <p:sp>
+        <p:nvSpPr>
+          <p:cNvPr id="14" name="Rectángulo 13">
+            <a:extLst>
+              <a:ext uri="{FF2B5EF4-FFF2-40B4-BE49-F238E27FC236}">
+                <a16:creationId xmlns:a16="http://schemas.microsoft.com/office/drawing/2014/main" id="{68C8F0C0-6564-30FE-5878-FC062FDCF59C}"/>
+              </a:ext>
+            </a:extLst>
+          </p:cNvPr>
+          <p:cNvSpPr/>
+          <p:nvPr/>
+        </p:nvSpPr>
+        <p:spPr>
+          <a:xfrm>
+            <a:off x="9274629" y="2072633"/>
+            <a:ext cx="2926080" cy="687977"/>
+          </a:xfrm>
+          <a:prstGeom prst="rect">
+            <a:avLst/>
+          </a:prstGeom>
+          <a:solidFill>
+            <a:schemeClr val="accent2">
+              <a:lumMod val="40000"/>
+              <a:lumOff val="60000"/>
+            </a:schemeClr>
+          </a:solidFill>
+          <a:ln>
+            <a:noFill/>
+          </a:ln>
+        </p:spPr>
+        <p:style>
+          <a:lnRef idx="2">
+            <a:schemeClr val="accent1">
+              <a:shade val="50000"/>
+            </a:schemeClr>
+          </a:lnRef>
+          <a:fillRef idx="1">
+            <a:schemeClr val="accent1"/>
+          </a:fillRef>
+          <a:effectRef idx="0">
+            <a:schemeClr val="accent1"/>
+          </a:effectRef>
+          <a:fontRef idx="minor">
+            <a:schemeClr val="lt1"/>
+          </a:fontRef>
+        </p:style>
+        <p:txBody>
+          <a:bodyPr rtlCol="0" anchor="ctr"/>
+          <a:lstStyle/>
+          <a:p>
+            <a:pPr algn="ctr"/>
+            <a:r>
+              <a:rPr lang="es-CO" dirty="0">
+                <a:solidFill>
+                  <a:schemeClr val="tx1"/>
+                </a:solidFill>
+              </a:rPr>
+              <a:t>Test</a:t>
+            </a:r>
+          </a:p>
+        </p:txBody>
+      </p:sp>
+    </p:spTree>
+    <p:extLst>
+      <p:ext uri="{BB962C8B-B14F-4D97-AF65-F5344CB8AC3E}">
+        <p14:creationId xmlns:p14="http://schemas.microsoft.com/office/powerpoint/2010/main" val="383122009"/>
+      </p:ext>
+    </p:extLst>
+  </p:cSld>
+  <p:clrMapOvr>
+    <a:masterClrMapping/>
+  </p:clrMapOvr>
+</p:sld>
+</file>
+
+<file path=ppt/slides/slide3.xml><?xml version="1.0" encoding="utf-8"?>
+<p:sld xmlns:a="http://schemas.openxmlformats.org/drawingml/2006/main" xmlns:r="http://schemas.openxmlformats.org/officeDocument/2006/relationships" xmlns:p="http://schemas.openxmlformats.org/presentationml/2006/main">
+  <p:cSld>
+    <p:spTree>
+      <p:nvGrpSpPr>
+        <p:cNvPr id="1" name=""/>
+        <p:cNvGrpSpPr/>
+        <p:nvPr/>
+      </p:nvGrpSpPr>
+      <p:grpSpPr>
+        <a:xfrm>
+          <a:off x="0" y="0"/>
+          <a:ext cx="0" cy="0"/>
+          <a:chOff x="0" y="0"/>
+          <a:chExt cx="0" cy="0"/>
+        </a:xfrm>
+      </p:grpSpPr>
+      <p:sp>
+        <p:nvSpPr>
+          <p:cNvPr id="4" name="Rectángulo 3">
+            <a:extLst>
+              <a:ext uri="{FF2B5EF4-FFF2-40B4-BE49-F238E27FC236}">
+                <a16:creationId xmlns:a16="http://schemas.microsoft.com/office/drawing/2014/main" id="{6C8D866C-8FF3-5EED-F1BF-470C62A80586}"/>
+              </a:ext>
+            </a:extLst>
+          </p:cNvPr>
+          <p:cNvSpPr/>
+          <p:nvPr/>
+        </p:nvSpPr>
+        <p:spPr>
+          <a:xfrm>
+            <a:off x="4400006" y="1728652"/>
+            <a:ext cx="1619794" cy="1619794"/>
+          </a:xfrm>
+          <a:prstGeom prst="rect">
+            <a:avLst/>
+          </a:prstGeom>
+          <a:solidFill>
+            <a:schemeClr val="accent6">
+              <a:lumMod val="60000"/>
+              <a:lumOff val="40000"/>
+            </a:schemeClr>
+          </a:solidFill>
+          <a:ln>
+            <a:noFill/>
+          </a:ln>
+        </p:spPr>
+        <p:style>
+          <a:lnRef idx="2">
+            <a:schemeClr val="accent1">
+              <a:shade val="50000"/>
+            </a:schemeClr>
+          </a:lnRef>
+          <a:fillRef idx="1">
+            <a:schemeClr val="accent1"/>
+          </a:fillRef>
+          <a:effectRef idx="0">
+            <a:schemeClr val="accent1"/>
+          </a:effectRef>
+          <a:fontRef idx="minor">
+            <a:schemeClr val="lt1"/>
+          </a:fontRef>
+        </p:style>
+        <p:txBody>
+          <a:bodyPr rtlCol="0" anchor="ctr"/>
+          <a:lstStyle/>
+          <a:p>
+            <a:pPr algn="ctr"/>
+            <a:r>
+              <a:rPr lang="es-MX" dirty="0">
+                <a:solidFill>
+                  <a:schemeClr val="tx1"/>
+                </a:solidFill>
+              </a:rPr>
+              <a:t>TN</a:t>
+            </a:r>
+            <a:endParaRPr lang="es-CO" dirty="0">
+              <a:solidFill>
+                <a:schemeClr val="tx1"/>
+              </a:solidFill>
+            </a:endParaRPr>
+          </a:p>
+        </p:txBody>
+      </p:sp>
+      <p:sp>
+        <p:nvSpPr>
+          <p:cNvPr id="5" name="Rectángulo 4">
+            <a:extLst>
+              <a:ext uri="{FF2B5EF4-FFF2-40B4-BE49-F238E27FC236}">
+                <a16:creationId xmlns:a16="http://schemas.microsoft.com/office/drawing/2014/main" id="{D280E0B6-7C42-66C5-BB0D-55456F62B509}"/>
+              </a:ext>
+            </a:extLst>
+          </p:cNvPr>
+          <p:cNvSpPr/>
+          <p:nvPr/>
+        </p:nvSpPr>
+        <p:spPr>
+          <a:xfrm>
+            <a:off x="6172200" y="1728652"/>
+            <a:ext cx="1619794" cy="1619794"/>
+          </a:xfrm>
+          <a:prstGeom prst="rect">
+            <a:avLst/>
+          </a:prstGeom>
+          <a:solidFill>
+            <a:srgbClr val="FF9999"/>
+          </a:solidFill>
+          <a:ln>
+            <a:noFill/>
+          </a:ln>
+        </p:spPr>
+        <p:style>
+          <a:lnRef idx="2">
+            <a:schemeClr val="accent1">
+              <a:shade val="50000"/>
+            </a:schemeClr>
+          </a:lnRef>
+          <a:fillRef idx="1">
+            <a:schemeClr val="accent1"/>
+          </a:fillRef>
+          <a:effectRef idx="0">
+            <a:schemeClr val="accent1"/>
+          </a:effectRef>
+          <a:fontRef idx="minor">
+            <a:schemeClr val="lt1"/>
+          </a:fontRef>
+        </p:style>
+        <p:txBody>
+          <a:bodyPr rtlCol="0" anchor="ctr"/>
+          <a:lstStyle/>
+          <a:p>
+            <a:pPr algn="ctr"/>
+            <a:r>
+              <a:rPr lang="es-MX" dirty="0">
+                <a:solidFill>
+                  <a:schemeClr val="tx1"/>
+                </a:solidFill>
+              </a:rPr>
+              <a:t>FN</a:t>
+            </a:r>
+            <a:endParaRPr lang="es-CO" dirty="0">
+              <a:solidFill>
+                <a:schemeClr val="tx1"/>
+              </a:solidFill>
+            </a:endParaRPr>
+          </a:p>
+        </p:txBody>
+      </p:sp>
+      <p:sp>
+        <p:nvSpPr>
+          <p:cNvPr id="6" name="Rectángulo 5">
+            <a:extLst>
+              <a:ext uri="{FF2B5EF4-FFF2-40B4-BE49-F238E27FC236}">
+                <a16:creationId xmlns:a16="http://schemas.microsoft.com/office/drawing/2014/main" id="{498F1845-E8B6-C6CA-CED8-CDBDE655B991}"/>
+              </a:ext>
+            </a:extLst>
+          </p:cNvPr>
+          <p:cNvSpPr/>
+          <p:nvPr/>
+        </p:nvSpPr>
+        <p:spPr>
+          <a:xfrm>
+            <a:off x="4400006" y="3509554"/>
+            <a:ext cx="1619794" cy="1619794"/>
+          </a:xfrm>
+          <a:prstGeom prst="rect">
+            <a:avLst/>
+          </a:prstGeom>
+          <a:solidFill>
+            <a:srgbClr val="FF9999"/>
+          </a:solidFill>
+          <a:ln>
+            <a:noFill/>
+          </a:ln>
+        </p:spPr>
+        <p:style>
+          <a:lnRef idx="2">
+            <a:schemeClr val="accent1">
+              <a:shade val="50000"/>
+            </a:schemeClr>
+          </a:lnRef>
+          <a:fillRef idx="1">
+            <a:schemeClr val="accent1"/>
+          </a:fillRef>
+          <a:effectRef idx="0">
+            <a:schemeClr val="accent1"/>
+          </a:effectRef>
+          <a:fontRef idx="minor">
+            <a:schemeClr val="lt1"/>
+          </a:fontRef>
+        </p:style>
+        <p:txBody>
+          <a:bodyPr rtlCol="0" anchor="ctr"/>
+          <a:lstStyle/>
+          <a:p>
+            <a:pPr algn="ctr"/>
+            <a:r>
+              <a:rPr lang="es-MX" dirty="0">
+                <a:solidFill>
+                  <a:schemeClr val="tx1"/>
+                </a:solidFill>
+              </a:rPr>
+              <a:t>FP</a:t>
+            </a:r>
+            <a:endParaRPr lang="es-CO" dirty="0">
+              <a:solidFill>
+                <a:schemeClr val="tx1"/>
+              </a:solidFill>
+            </a:endParaRPr>
+          </a:p>
+        </p:txBody>
+      </p:sp>
+      <p:sp>
+        <p:nvSpPr>
+          <p:cNvPr id="7" name="Rectángulo 6">
+            <a:extLst>
+              <a:ext uri="{FF2B5EF4-FFF2-40B4-BE49-F238E27FC236}">
+                <a16:creationId xmlns:a16="http://schemas.microsoft.com/office/drawing/2014/main" id="{33A85B28-8D74-8FA9-7093-3CB9165C8CD1}"/>
+              </a:ext>
+            </a:extLst>
+          </p:cNvPr>
+          <p:cNvSpPr/>
+          <p:nvPr/>
+        </p:nvSpPr>
+        <p:spPr>
+          <a:xfrm>
+            <a:off x="6172200" y="3509554"/>
+            <a:ext cx="1619794" cy="1619794"/>
+          </a:xfrm>
+          <a:prstGeom prst="rect">
+            <a:avLst/>
+          </a:prstGeom>
+          <a:solidFill>
+            <a:schemeClr val="accent6">
+              <a:lumMod val="60000"/>
+              <a:lumOff val="40000"/>
+            </a:schemeClr>
+          </a:solidFill>
+          <a:ln>
+            <a:noFill/>
+          </a:ln>
+        </p:spPr>
+        <p:style>
+          <a:lnRef idx="2">
+            <a:schemeClr val="accent1">
+              <a:shade val="50000"/>
+            </a:schemeClr>
+          </a:lnRef>
+          <a:fillRef idx="1">
+            <a:schemeClr val="accent1"/>
+          </a:fillRef>
+          <a:effectRef idx="0">
+            <a:schemeClr val="accent1"/>
+          </a:effectRef>
+          <a:fontRef idx="minor">
+            <a:schemeClr val="lt1"/>
+          </a:fontRef>
+        </p:style>
+        <p:txBody>
+          <a:bodyPr rtlCol="0" anchor="ctr"/>
+          <a:lstStyle/>
+          <a:p>
+            <a:pPr algn="ctr"/>
+            <a:r>
               <a:rPr lang="es-MX" dirty="0">
                 <a:solidFill>
                   <a:schemeClr val="tx1"/>
@@ -5181,6 +5520,539 @@
     <p:extLst>
       <p:ext uri="{BB962C8B-B14F-4D97-AF65-F5344CB8AC3E}">
         <p14:creationId xmlns:p14="http://schemas.microsoft.com/office/powerpoint/2010/main" val="2220227339"/>
+      </p:ext>
+    </p:extLst>
+  </p:cSld>
+  <p:clrMapOvr>
+    <a:masterClrMapping/>
+  </p:clrMapOvr>
+</p:sld>
+</file>
+
+<file path=ppt/slides/slide4.xml><?xml version="1.0" encoding="utf-8"?>
+<p:sld xmlns:a="http://schemas.openxmlformats.org/drawingml/2006/main" xmlns:r="http://schemas.openxmlformats.org/officeDocument/2006/relationships" xmlns:p="http://schemas.openxmlformats.org/presentationml/2006/main">
+  <p:cSld>
+    <p:spTree>
+      <p:nvGrpSpPr>
+        <p:cNvPr id="1" name=""/>
+        <p:cNvGrpSpPr/>
+        <p:nvPr/>
+      </p:nvGrpSpPr>
+      <p:grpSpPr>
+        <a:xfrm>
+          <a:off x="0" y="0"/>
+          <a:ext cx="0" cy="0"/>
+          <a:chOff x="0" y="0"/>
+          <a:chExt cx="0" cy="0"/>
+        </a:xfrm>
+      </p:grpSpPr>
+      <p:sp>
+        <p:nvSpPr>
+          <p:cNvPr id="4" name="Rectángulo 3">
+            <a:extLst>
+              <a:ext uri="{FF2B5EF4-FFF2-40B4-BE49-F238E27FC236}">
+                <a16:creationId xmlns:a16="http://schemas.microsoft.com/office/drawing/2014/main" id="{6C8D866C-8FF3-5EED-F1BF-470C62A80586}"/>
+              </a:ext>
+            </a:extLst>
+          </p:cNvPr>
+          <p:cNvSpPr/>
+          <p:nvPr/>
+        </p:nvSpPr>
+        <p:spPr>
+          <a:xfrm>
+            <a:off x="4400006" y="1728652"/>
+            <a:ext cx="1619794" cy="1619794"/>
+          </a:xfrm>
+          <a:prstGeom prst="rect">
+            <a:avLst/>
+          </a:prstGeom>
+          <a:solidFill>
+            <a:schemeClr val="accent6">
+              <a:lumMod val="60000"/>
+              <a:lumOff val="40000"/>
+            </a:schemeClr>
+          </a:solidFill>
+          <a:ln>
+            <a:noFill/>
+          </a:ln>
+        </p:spPr>
+        <p:style>
+          <a:lnRef idx="2">
+            <a:schemeClr val="accent1">
+              <a:shade val="50000"/>
+            </a:schemeClr>
+          </a:lnRef>
+          <a:fillRef idx="1">
+            <a:schemeClr val="accent1"/>
+          </a:fillRef>
+          <a:effectRef idx="0">
+            <a:schemeClr val="accent1"/>
+          </a:effectRef>
+          <a:fontRef idx="minor">
+            <a:schemeClr val="lt1"/>
+          </a:fontRef>
+        </p:style>
+        <p:txBody>
+          <a:bodyPr rtlCol="0" anchor="ctr"/>
+          <a:lstStyle/>
+          <a:p>
+            <a:pPr algn="ctr"/>
+            <a:r>
+              <a:rPr lang="es-MX" dirty="0">
+                <a:solidFill>
+                  <a:schemeClr val="tx1"/>
+                </a:solidFill>
+              </a:rPr>
+              <a:t>TN</a:t>
+            </a:r>
+            <a:endParaRPr lang="es-CO" dirty="0">
+              <a:solidFill>
+                <a:schemeClr val="tx1"/>
+              </a:solidFill>
+            </a:endParaRPr>
+          </a:p>
+        </p:txBody>
+      </p:sp>
+      <p:sp>
+        <p:nvSpPr>
+          <p:cNvPr id="5" name="Rectángulo 4">
+            <a:extLst>
+              <a:ext uri="{FF2B5EF4-FFF2-40B4-BE49-F238E27FC236}">
+                <a16:creationId xmlns:a16="http://schemas.microsoft.com/office/drawing/2014/main" id="{D280E0B6-7C42-66C5-BB0D-55456F62B509}"/>
+              </a:ext>
+            </a:extLst>
+          </p:cNvPr>
+          <p:cNvSpPr/>
+          <p:nvPr/>
+        </p:nvSpPr>
+        <p:spPr>
+          <a:xfrm>
+            <a:off x="6172200" y="1728652"/>
+            <a:ext cx="1619794" cy="1619794"/>
+          </a:xfrm>
+          <a:prstGeom prst="rect">
+            <a:avLst/>
+          </a:prstGeom>
+          <a:solidFill>
+            <a:srgbClr val="FF9999"/>
+          </a:solidFill>
+          <a:ln>
+            <a:noFill/>
+          </a:ln>
+        </p:spPr>
+        <p:style>
+          <a:lnRef idx="2">
+            <a:schemeClr val="accent1">
+              <a:shade val="50000"/>
+            </a:schemeClr>
+          </a:lnRef>
+          <a:fillRef idx="1">
+            <a:schemeClr val="accent1"/>
+          </a:fillRef>
+          <a:effectRef idx="0">
+            <a:schemeClr val="accent1"/>
+          </a:effectRef>
+          <a:fontRef idx="minor">
+            <a:schemeClr val="lt1"/>
+          </a:fontRef>
+        </p:style>
+        <p:txBody>
+          <a:bodyPr rtlCol="0" anchor="ctr"/>
+          <a:lstStyle/>
+          <a:p>
+            <a:pPr algn="ctr"/>
+            <a:r>
+              <a:rPr lang="es-MX" dirty="0">
+                <a:solidFill>
+                  <a:schemeClr val="tx1"/>
+                </a:solidFill>
+              </a:rPr>
+              <a:t>FN</a:t>
+            </a:r>
+            <a:endParaRPr lang="es-CO" dirty="0">
+              <a:solidFill>
+                <a:schemeClr val="tx1"/>
+              </a:solidFill>
+            </a:endParaRPr>
+          </a:p>
+        </p:txBody>
+      </p:sp>
+      <p:sp>
+        <p:nvSpPr>
+          <p:cNvPr id="6" name="Rectángulo 5">
+            <a:extLst>
+              <a:ext uri="{FF2B5EF4-FFF2-40B4-BE49-F238E27FC236}">
+                <a16:creationId xmlns:a16="http://schemas.microsoft.com/office/drawing/2014/main" id="{498F1845-E8B6-C6CA-CED8-CDBDE655B991}"/>
+              </a:ext>
+            </a:extLst>
+          </p:cNvPr>
+          <p:cNvSpPr/>
+          <p:nvPr/>
+        </p:nvSpPr>
+        <p:spPr>
+          <a:xfrm>
+            <a:off x="4400006" y="3509554"/>
+            <a:ext cx="1619794" cy="1619794"/>
+          </a:xfrm>
+          <a:prstGeom prst="rect">
+            <a:avLst/>
+          </a:prstGeom>
+          <a:solidFill>
+            <a:schemeClr val="accent5">
+              <a:lumMod val="40000"/>
+              <a:lumOff val="60000"/>
+            </a:schemeClr>
+          </a:solidFill>
+          <a:ln>
+            <a:noFill/>
+          </a:ln>
+        </p:spPr>
+        <p:style>
+          <a:lnRef idx="2">
+            <a:schemeClr val="accent1">
+              <a:shade val="50000"/>
+            </a:schemeClr>
+          </a:lnRef>
+          <a:fillRef idx="1">
+            <a:schemeClr val="accent1"/>
+          </a:fillRef>
+          <a:effectRef idx="0">
+            <a:schemeClr val="accent1"/>
+          </a:effectRef>
+          <a:fontRef idx="minor">
+            <a:schemeClr val="lt1"/>
+          </a:fontRef>
+        </p:style>
+        <p:txBody>
+          <a:bodyPr rtlCol="0" anchor="ctr"/>
+          <a:lstStyle/>
+          <a:p>
+            <a:pPr algn="ctr"/>
+            <a:r>
+              <a:rPr lang="es-MX" dirty="0">
+                <a:solidFill>
+                  <a:schemeClr val="tx1"/>
+                </a:solidFill>
+              </a:rPr>
+              <a:t>FP</a:t>
+            </a:r>
+            <a:endParaRPr lang="es-CO" dirty="0">
+              <a:solidFill>
+                <a:schemeClr val="tx1"/>
+              </a:solidFill>
+            </a:endParaRPr>
+          </a:p>
+        </p:txBody>
+      </p:sp>
+      <p:sp>
+        <p:nvSpPr>
+          <p:cNvPr id="7" name="Rectángulo 6">
+            <a:extLst>
+              <a:ext uri="{FF2B5EF4-FFF2-40B4-BE49-F238E27FC236}">
+                <a16:creationId xmlns:a16="http://schemas.microsoft.com/office/drawing/2014/main" id="{33A85B28-8D74-8FA9-7093-3CB9165C8CD1}"/>
+              </a:ext>
+            </a:extLst>
+          </p:cNvPr>
+          <p:cNvSpPr/>
+          <p:nvPr/>
+        </p:nvSpPr>
+        <p:spPr>
+          <a:xfrm>
+            <a:off x="6172200" y="3509554"/>
+            <a:ext cx="1619794" cy="1619794"/>
+          </a:xfrm>
+          <a:prstGeom prst="rect">
+            <a:avLst/>
+          </a:prstGeom>
+          <a:solidFill>
+            <a:schemeClr val="accent6">
+              <a:lumMod val="60000"/>
+              <a:lumOff val="40000"/>
+            </a:schemeClr>
+          </a:solidFill>
+          <a:ln>
+            <a:noFill/>
+          </a:ln>
+        </p:spPr>
+        <p:style>
+          <a:lnRef idx="2">
+            <a:schemeClr val="accent1">
+              <a:shade val="50000"/>
+            </a:schemeClr>
+          </a:lnRef>
+          <a:fillRef idx="1">
+            <a:schemeClr val="accent1"/>
+          </a:fillRef>
+          <a:effectRef idx="0">
+            <a:schemeClr val="accent1"/>
+          </a:effectRef>
+          <a:fontRef idx="minor">
+            <a:schemeClr val="lt1"/>
+          </a:fontRef>
+        </p:style>
+        <p:txBody>
+          <a:bodyPr rtlCol="0" anchor="ctr"/>
+          <a:lstStyle/>
+          <a:p>
+            <a:pPr algn="ctr"/>
+            <a:r>
+              <a:rPr lang="es-MX" dirty="0">
+                <a:solidFill>
+                  <a:schemeClr val="tx1"/>
+                </a:solidFill>
+              </a:rPr>
+              <a:t>TP</a:t>
+            </a:r>
+            <a:endParaRPr lang="es-CO" dirty="0">
+              <a:solidFill>
+                <a:schemeClr val="tx1"/>
+              </a:solidFill>
+            </a:endParaRPr>
+          </a:p>
+        </p:txBody>
+      </p:sp>
+      <p:sp>
+        <p:nvSpPr>
+          <p:cNvPr id="10" name="CuadroTexto 9">
+            <a:extLst>
+              <a:ext uri="{FF2B5EF4-FFF2-40B4-BE49-F238E27FC236}">
+                <a16:creationId xmlns:a16="http://schemas.microsoft.com/office/drawing/2014/main" id="{EE7514F0-F18E-4EAF-AB48-E17D80ADEBDF}"/>
+              </a:ext>
+            </a:extLst>
+          </p:cNvPr>
+          <p:cNvSpPr txBox="1"/>
+          <p:nvPr/>
+        </p:nvSpPr>
+        <p:spPr>
+          <a:xfrm>
+            <a:off x="5691051" y="698550"/>
+            <a:ext cx="809897" cy="369332"/>
+          </a:xfrm>
+          <a:prstGeom prst="rect">
+            <a:avLst/>
+          </a:prstGeom>
+          <a:noFill/>
+        </p:spPr>
+        <p:txBody>
+          <a:bodyPr wrap="square" rtlCol="0">
+            <a:spAutoFit/>
+          </a:bodyPr>
+          <a:lstStyle/>
+          <a:p>
+            <a:pPr algn="ctr"/>
+            <a:r>
+              <a:rPr lang="es-MX" dirty="0">
+                <a:solidFill>
+                  <a:srgbClr val="0070C0"/>
+                </a:solidFill>
+              </a:rPr>
+              <a:t>Actual</a:t>
+            </a:r>
+            <a:endParaRPr lang="es-CO" dirty="0">
+              <a:solidFill>
+                <a:srgbClr val="0070C0"/>
+              </a:solidFill>
+            </a:endParaRPr>
+          </a:p>
+        </p:txBody>
+      </p:sp>
+      <p:sp>
+        <p:nvSpPr>
+          <p:cNvPr id="11" name="CuadroTexto 10">
+            <a:extLst>
+              <a:ext uri="{FF2B5EF4-FFF2-40B4-BE49-F238E27FC236}">
+                <a16:creationId xmlns:a16="http://schemas.microsoft.com/office/drawing/2014/main" id="{7BD51219-82A5-3E93-6040-E82949BCEEAA}"/>
+              </a:ext>
+            </a:extLst>
+          </p:cNvPr>
+          <p:cNvSpPr txBox="1"/>
+          <p:nvPr/>
+        </p:nvSpPr>
+        <p:spPr>
+          <a:xfrm rot="16200000">
+            <a:off x="3005929" y="3244333"/>
+            <a:ext cx="1132115" cy="369332"/>
+          </a:xfrm>
+          <a:prstGeom prst="rect">
+            <a:avLst/>
+          </a:prstGeom>
+          <a:noFill/>
+        </p:spPr>
+        <p:txBody>
+          <a:bodyPr wrap="square" rtlCol="0">
+            <a:spAutoFit/>
+          </a:bodyPr>
+          <a:lstStyle/>
+          <a:p>
+            <a:pPr algn="ctr"/>
+            <a:r>
+              <a:rPr lang="es-MX" dirty="0">
+                <a:solidFill>
+                  <a:srgbClr val="0070C0"/>
+                </a:solidFill>
+              </a:rPr>
+              <a:t>Predicted</a:t>
+            </a:r>
+            <a:endParaRPr lang="es-CO" dirty="0">
+              <a:solidFill>
+                <a:srgbClr val="0070C0"/>
+              </a:solidFill>
+            </a:endParaRPr>
+          </a:p>
+        </p:txBody>
+      </p:sp>
+      <p:sp>
+        <p:nvSpPr>
+          <p:cNvPr id="12" name="CuadroTexto 11">
+            <a:extLst>
+              <a:ext uri="{FF2B5EF4-FFF2-40B4-BE49-F238E27FC236}">
+                <a16:creationId xmlns:a16="http://schemas.microsoft.com/office/drawing/2014/main" id="{EF861FCC-53A8-4B04-7722-5ABE5A7DB804}"/>
+              </a:ext>
+            </a:extLst>
+          </p:cNvPr>
+          <p:cNvSpPr txBox="1"/>
+          <p:nvPr/>
+        </p:nvSpPr>
+        <p:spPr>
+          <a:xfrm>
+            <a:off x="4400006" y="1228990"/>
+            <a:ext cx="1619794" cy="338554"/>
+          </a:xfrm>
+          <a:prstGeom prst="rect">
+            <a:avLst/>
+          </a:prstGeom>
+          <a:noFill/>
+        </p:spPr>
+        <p:txBody>
+          <a:bodyPr wrap="square" rtlCol="0">
+            <a:spAutoFit/>
+          </a:bodyPr>
+          <a:lstStyle/>
+          <a:p>
+            <a:pPr algn="ctr"/>
+            <a:r>
+              <a:rPr lang="es-MX" sz="1600" dirty="0"/>
+              <a:t>No Heart Disease</a:t>
+            </a:r>
+            <a:endParaRPr lang="es-CO" sz="1600" dirty="0"/>
+          </a:p>
+        </p:txBody>
+      </p:sp>
+      <p:sp>
+        <p:nvSpPr>
+          <p:cNvPr id="13" name="CuadroTexto 12">
+            <a:extLst>
+              <a:ext uri="{FF2B5EF4-FFF2-40B4-BE49-F238E27FC236}">
+                <a16:creationId xmlns:a16="http://schemas.microsoft.com/office/drawing/2014/main" id="{2B467DFF-3A5D-4424-6652-51D590C2F876}"/>
+              </a:ext>
+            </a:extLst>
+          </p:cNvPr>
+          <p:cNvSpPr txBox="1"/>
+          <p:nvPr/>
+        </p:nvSpPr>
+        <p:spPr>
+          <a:xfrm>
+            <a:off x="6172200" y="1228990"/>
+            <a:ext cx="1619794" cy="338554"/>
+          </a:xfrm>
+          <a:prstGeom prst="rect">
+            <a:avLst/>
+          </a:prstGeom>
+          <a:noFill/>
+        </p:spPr>
+        <p:txBody>
+          <a:bodyPr wrap="square" rtlCol="0">
+            <a:spAutoFit/>
+          </a:bodyPr>
+          <a:lstStyle/>
+          <a:p>
+            <a:pPr algn="ctr"/>
+            <a:r>
+              <a:rPr lang="es-MX" sz="1600" dirty="0"/>
+              <a:t>Heart Disease</a:t>
+            </a:r>
+            <a:endParaRPr lang="es-CO" sz="1600" dirty="0"/>
+          </a:p>
+        </p:txBody>
+      </p:sp>
+      <p:sp>
+        <p:nvSpPr>
+          <p:cNvPr id="14" name="CuadroTexto 13">
+            <a:extLst>
+              <a:ext uri="{FF2B5EF4-FFF2-40B4-BE49-F238E27FC236}">
+                <a16:creationId xmlns:a16="http://schemas.microsoft.com/office/drawing/2014/main" id="{5C38FDE8-DE81-D5A2-CA71-1287D4B83205}"/>
+              </a:ext>
+            </a:extLst>
+          </p:cNvPr>
+          <p:cNvSpPr txBox="1"/>
+          <p:nvPr/>
+        </p:nvSpPr>
+        <p:spPr>
+          <a:xfrm rot="16200000">
+            <a:off x="3268432" y="2369272"/>
+            <a:ext cx="1619794" cy="338554"/>
+          </a:xfrm>
+          <a:prstGeom prst="rect">
+            <a:avLst/>
+          </a:prstGeom>
+          <a:noFill/>
+        </p:spPr>
+        <p:txBody>
+          <a:bodyPr wrap="square" rtlCol="0">
+            <a:spAutoFit/>
+          </a:bodyPr>
+          <a:lstStyle/>
+          <a:p>
+            <a:pPr algn="ctr"/>
+            <a:r>
+              <a:rPr lang="es-MX" sz="1600" dirty="0"/>
+              <a:t>No Heart Disease</a:t>
+            </a:r>
+            <a:endParaRPr lang="es-CO" sz="1600" dirty="0"/>
+          </a:p>
+        </p:txBody>
+      </p:sp>
+      <p:sp>
+        <p:nvSpPr>
+          <p:cNvPr id="15" name="CuadroTexto 14">
+            <a:extLst>
+              <a:ext uri="{FF2B5EF4-FFF2-40B4-BE49-F238E27FC236}">
+                <a16:creationId xmlns:a16="http://schemas.microsoft.com/office/drawing/2014/main" id="{FA1FEEB9-70C4-01A7-B993-87C3686C2DD0}"/>
+              </a:ext>
+            </a:extLst>
+          </p:cNvPr>
+          <p:cNvSpPr txBox="1"/>
+          <p:nvPr/>
+        </p:nvSpPr>
+        <p:spPr>
+          <a:xfrm rot="16200000">
+            <a:off x="3268432" y="4150174"/>
+            <a:ext cx="1619794" cy="338554"/>
+          </a:xfrm>
+          <a:prstGeom prst="rect">
+            <a:avLst/>
+          </a:prstGeom>
+          <a:noFill/>
+        </p:spPr>
+        <p:txBody>
+          <a:bodyPr wrap="square" rtlCol="0">
+            <a:spAutoFit/>
+          </a:bodyPr>
+          <a:lstStyle/>
+          <a:p>
+            <a:pPr algn="ctr"/>
+            <a:r>
+              <a:rPr lang="es-MX" sz="1600" dirty="0"/>
+              <a:t>Heart Disease</a:t>
+            </a:r>
+            <a:endParaRPr lang="es-CO" sz="1600" dirty="0"/>
+          </a:p>
+        </p:txBody>
+      </p:sp>
+    </p:spTree>
+    <p:extLst>
+      <p:ext uri="{BB962C8B-B14F-4D97-AF65-F5344CB8AC3E}">
+        <p14:creationId xmlns:p14="http://schemas.microsoft.com/office/powerpoint/2010/main" val="2709131965"/>
       </p:ext>
     </p:extLst>
   </p:cSld>
